--- a/PresentationFYP.pptx
+++ b/PresentationFYP.pptx
@@ -3780,7 +3780,7 @@
             </a:pPr>
             <a:r>
               <a:rPr lang="en-IE" dirty="0"/>
-              <a:t>Participant criteria</a:t>
+              <a:t>Strict Participant criteria</a:t>
             </a:r>
           </a:p>
           <a:p>
@@ -3900,7 +3900,7 @@
           </p:cNvPicPr>
           <p:nvPr/>
         </p:nvPicPr>
-        <p:blipFill>
+        <p:blipFill rotWithShape="1">
           <a:blip r:embed="rId2">
             <a:extLst>
               <a:ext uri="{28A0092B-C50C-407E-A947-70E740481C1C}">
@@ -3908,14 +3908,13 @@
               </a:ext>
             </a:extLst>
           </a:blip>
-          <a:stretch>
-            <a:fillRect/>
-          </a:stretch>
+          <a:srcRect l="2327"/>
+          <a:stretch/>
         </p:blipFill>
         <p:spPr>
           <a:xfrm>
-            <a:off x="4110334" y="1476000"/>
-            <a:ext cx="5033666" cy="2151567"/>
+            <a:off x="4227442" y="1476000"/>
+            <a:ext cx="4916557" cy="2151567"/>
           </a:xfrm>
           <a:prstGeom prst="rect">
             <a:avLst/>
